--- a/docs/diagrams/SDforRemoveGroupCommandParser.pptx
+++ b/docs/diagrams/SDforRemoveGroupCommandParser.pptx
@@ -104,6 +104,11 @@
       </a:defRPr>
     </a:lvl9pPr>
   </p:defaultTextStyle>
+  <p:extLst>
+    <p:ext uri="{EFAFB233-063F-42B5-8137-9DF3F51BA10A}">
+      <p15:sldGuideLst xmlns:p15="http://schemas.microsoft.com/office/powerpoint/2012/main"/>
+    </p:ext>
+  </p:extLst>
 </p:presentation>
 </file>
 
@@ -3809,7 +3814,18 @@
                   <a:schemeClr val="bg1"/>
                 </a:solidFill>
               </a:rPr>
-              <a:t>r:RemoveGroupCommand</a:t>
+              <a:t>d:DeleteGroup</a:t>
+            </a:r>
+          </a:p>
+          <a:p>
+            <a:pPr algn="ctr"/>
+            <a:r>
+              <a:rPr lang="en-US" sz="1050" dirty="0">
+                <a:solidFill>
+                  <a:schemeClr val="bg1"/>
+                </a:solidFill>
+              </a:rPr>
+              <a:t>Command</a:t>
             </a:r>
             <a:endParaRPr lang="en-SG" sz="1050" dirty="0">
               <a:solidFill>
@@ -4612,7 +4628,7 @@
                   <a:srgbClr val="7030A0"/>
                 </a:solidFill>
               </a:rPr>
-              <a:t>removeGroup</a:t>
+              <a:t>deleteGroup</a:t>
             </a:r>
             <a:r>
               <a:rPr lang="en-US" sz="1050" dirty="0">
@@ -4677,7 +4693,7 @@
             </a:r>
             <a:r>
               <a:rPr lang="en-US" sz="1050" dirty="0" err="1"/>
-              <a:t>removegroup</a:t>
+              <a:t>deletegroup</a:t>
             </a:r>
             <a:r>
               <a:rPr lang="en-US" sz="1050" dirty="0"/>
@@ -5059,7 +5075,7 @@
                   <a:schemeClr val="bg1"/>
                 </a:solidFill>
               </a:rPr>
-              <a:t>RemoveGroupCommand</a:t>
+              <a:t>DeleteGroupCommand</a:t>
             </a:r>
             <a:endParaRPr lang="en-US" sz="1200" dirty="0">
               <a:solidFill>
@@ -5530,7 +5546,7 @@
             </a:r>
             <a:r>
               <a:rPr lang="en-US" sz="1000" dirty="0" err="1"/>
-              <a:t>removegroup</a:t>
+              <a:t>deletegroup</a:t>
             </a:r>
             <a:r>
               <a:rPr lang="en-US" sz="1000" dirty="0"/>
